--- a/results/Simulation_10.10.2020/Heatmap_Panel_HighStdDev.pptx
+++ b/results/Simulation_10.10.2020/Heatmap_Panel_HighStdDev.pptx
@@ -259,7 +259,7 @@
           <a:p>
             <a:fld id="{8BA34A97-F7A5-5C47-86F9-1D2F23BC0081}" type="datetimeFigureOut">
               <a:rPr lang="en-US" smtClean="0"/>
-              <a:t>10/20/20</a:t>
+              <a:t>11/2/20</a:t>
             </a:fld>
             <a:endParaRPr lang="en-US"/>
           </a:p>
@@ -457,7 +457,7 @@
           <a:p>
             <a:fld id="{8BA34A97-F7A5-5C47-86F9-1D2F23BC0081}" type="datetimeFigureOut">
               <a:rPr lang="en-US" smtClean="0"/>
-              <a:t>10/20/20</a:t>
+              <a:t>11/2/20</a:t>
             </a:fld>
             <a:endParaRPr lang="en-US"/>
           </a:p>
@@ -665,7 +665,7 @@
           <a:p>
             <a:fld id="{8BA34A97-F7A5-5C47-86F9-1D2F23BC0081}" type="datetimeFigureOut">
               <a:rPr lang="en-US" smtClean="0"/>
-              <a:t>10/20/20</a:t>
+              <a:t>11/2/20</a:t>
             </a:fld>
             <a:endParaRPr lang="en-US"/>
           </a:p>
@@ -863,7 +863,7 @@
           <a:p>
             <a:fld id="{8BA34A97-F7A5-5C47-86F9-1D2F23BC0081}" type="datetimeFigureOut">
               <a:rPr lang="en-US" smtClean="0"/>
-              <a:t>10/20/20</a:t>
+              <a:t>11/2/20</a:t>
             </a:fld>
             <a:endParaRPr lang="en-US"/>
           </a:p>
@@ -1138,7 +1138,7 @@
           <a:p>
             <a:fld id="{8BA34A97-F7A5-5C47-86F9-1D2F23BC0081}" type="datetimeFigureOut">
               <a:rPr lang="en-US" smtClean="0"/>
-              <a:t>10/20/20</a:t>
+              <a:t>11/2/20</a:t>
             </a:fld>
             <a:endParaRPr lang="en-US"/>
           </a:p>
@@ -1403,7 +1403,7 @@
           <a:p>
             <a:fld id="{8BA34A97-F7A5-5C47-86F9-1D2F23BC0081}" type="datetimeFigureOut">
               <a:rPr lang="en-US" smtClean="0"/>
-              <a:t>10/20/20</a:t>
+              <a:t>11/2/20</a:t>
             </a:fld>
             <a:endParaRPr lang="en-US"/>
           </a:p>
@@ -1815,7 +1815,7 @@
           <a:p>
             <a:fld id="{8BA34A97-F7A5-5C47-86F9-1D2F23BC0081}" type="datetimeFigureOut">
               <a:rPr lang="en-US" smtClean="0"/>
-              <a:t>10/20/20</a:t>
+              <a:t>11/2/20</a:t>
             </a:fld>
             <a:endParaRPr lang="en-US"/>
           </a:p>
@@ -1956,7 +1956,7 @@
           <a:p>
             <a:fld id="{8BA34A97-F7A5-5C47-86F9-1D2F23BC0081}" type="datetimeFigureOut">
               <a:rPr lang="en-US" smtClean="0"/>
-              <a:t>10/20/20</a:t>
+              <a:t>11/2/20</a:t>
             </a:fld>
             <a:endParaRPr lang="en-US"/>
           </a:p>
@@ -2069,7 +2069,7 @@
           <a:p>
             <a:fld id="{8BA34A97-F7A5-5C47-86F9-1D2F23BC0081}" type="datetimeFigureOut">
               <a:rPr lang="en-US" smtClean="0"/>
-              <a:t>10/20/20</a:t>
+              <a:t>11/2/20</a:t>
             </a:fld>
             <a:endParaRPr lang="en-US"/>
           </a:p>
@@ -2380,7 +2380,7 @@
           <a:p>
             <a:fld id="{8BA34A97-F7A5-5C47-86F9-1D2F23BC0081}" type="datetimeFigureOut">
               <a:rPr lang="en-US" smtClean="0"/>
-              <a:t>10/20/20</a:t>
+              <a:t>11/2/20</a:t>
             </a:fld>
             <a:endParaRPr lang="en-US"/>
           </a:p>
@@ -2668,7 +2668,7 @@
           <a:p>
             <a:fld id="{8BA34A97-F7A5-5C47-86F9-1D2F23BC0081}" type="datetimeFigureOut">
               <a:rPr lang="en-US" smtClean="0"/>
-              <a:t>10/20/20</a:t>
+              <a:t>11/2/20</a:t>
             </a:fld>
             <a:endParaRPr lang="en-US"/>
           </a:p>
@@ -2909,7 +2909,7 @@
           <a:p>
             <a:fld id="{8BA34A97-F7A5-5C47-86F9-1D2F23BC0081}" type="datetimeFigureOut">
               <a:rPr lang="en-US" smtClean="0"/>
-              <a:t>10/20/20</a:t>
+              <a:t>11/2/20</a:t>
             </a:fld>
             <a:endParaRPr lang="en-US"/>
           </a:p>
@@ -3328,10 +3328,10 @@
       </p:grpSpPr>
       <p:pic>
         <p:nvPicPr>
-          <p:cNvPr id="12" name="Picture 11">
-            <a:extLst>
-              <a:ext uri="{FF2B5EF4-FFF2-40B4-BE49-F238E27FC236}">
-                <a16:creationId xmlns:a16="http://schemas.microsoft.com/office/drawing/2014/main" id="{3A4DAAFD-98A4-6346-AD31-74EB8F1F5005}"/>
+          <p:cNvPr id="3" name="Picture 2">
+            <a:extLst>
+              <a:ext uri="{FF2B5EF4-FFF2-40B4-BE49-F238E27FC236}">
+                <a16:creationId xmlns:a16="http://schemas.microsoft.com/office/drawing/2014/main" id="{532CBBFA-4EB0-5549-8EA0-AAE93612DBC1}"/>
               </a:ext>
             </a:extLst>
           </p:cNvPr>
@@ -3348,7 +3348,7 @@
         </p:blipFill>
         <p:spPr>
           <a:xfrm>
-            <a:off x="1383766" y="0"/>
+            <a:off x="1658470" y="0"/>
             <a:ext cx="8875059" cy="6858000"/>
           </a:xfrm>
           <a:prstGeom prst="rect">
@@ -3370,14 +3370,14 @@
         </p:nvSpPr>
         <p:spPr>
           <a:xfrm>
-            <a:off x="4796871" y="1405747"/>
+            <a:off x="5040519" y="1405746"/>
             <a:ext cx="776614" cy="475989"/>
           </a:xfrm>
           <a:prstGeom prst="rect">
             <a:avLst/>
           </a:prstGeom>
           <a:solidFill>
-            <a:srgbClr val="080446"/>
+            <a:srgbClr val="080245"/>
           </a:solidFill>
           <a:ln>
             <a:noFill/>
@@ -3417,7 +3417,7 @@
               <a:rPr lang="en-US" sz="1200" dirty="0">
                 <a:latin typeface="Helvetica" pitchFamily="2" charset="0"/>
               </a:rPr>
-              <a:t>0.9925</a:t>
+              <a:t>0.9965</a:t>
             </a:r>
           </a:p>
         </p:txBody>
@@ -3436,14 +3436,14 @@
         </p:nvSpPr>
         <p:spPr>
           <a:xfrm>
-            <a:off x="4796871" y="2078167"/>
+            <a:off x="5040519" y="2066735"/>
             <a:ext cx="776614" cy="475989"/>
           </a:xfrm>
           <a:prstGeom prst="rect">
             <a:avLst/>
           </a:prstGeom>
           <a:solidFill>
-            <a:srgbClr val="141655"/>
+            <a:srgbClr val="292C69"/>
           </a:solidFill>
           <a:ln>
             <a:noFill/>
@@ -3483,7 +3483,7 @@
               <a:rPr lang="en-US" sz="1200" dirty="0">
                 <a:latin typeface="Helvetica" pitchFamily="2" charset="0"/>
               </a:rPr>
-              <a:t>0.9448</a:t>
+              <a:t>0.8833</a:t>
             </a:r>
           </a:p>
         </p:txBody>
@@ -3502,14 +3502,14 @@
         </p:nvSpPr>
         <p:spPr>
           <a:xfrm>
-            <a:off x="9199182" y="1405746"/>
+            <a:off x="9506137" y="1405745"/>
             <a:ext cx="776614" cy="475989"/>
           </a:xfrm>
           <a:prstGeom prst="rect">
             <a:avLst/>
           </a:prstGeom>
           <a:solidFill>
-            <a:srgbClr val="090949"/>
+            <a:srgbClr val="080043"/>
           </a:solidFill>
           <a:ln>
             <a:noFill/>
@@ -3540,7 +3540,7 @@
               <a:rPr lang="en-US" sz="1200" dirty="0">
                 <a:latin typeface="Helvetica" pitchFamily="2" charset="0"/>
               </a:rPr>
-              <a:t>128</a:t>
+              <a:t>256</a:t>
             </a:r>
           </a:p>
           <a:p>
@@ -3549,7 +3549,7 @@
               <a:rPr lang="en-US" sz="1200" dirty="0">
                 <a:latin typeface="Helvetica" pitchFamily="2" charset="0"/>
               </a:rPr>
-              <a:t>0.9819</a:t>
+              <a:t>1</a:t>
             </a:r>
           </a:p>
         </p:txBody>
@@ -3568,14 +3568,14 @@
         </p:nvSpPr>
         <p:spPr>
           <a:xfrm>
-            <a:off x="9199182" y="2078166"/>
+            <a:off x="9506137" y="2066734"/>
             <a:ext cx="776614" cy="475989"/>
           </a:xfrm>
           <a:prstGeom prst="rect">
             <a:avLst/>
           </a:prstGeom>
           <a:solidFill>
-            <a:srgbClr val="1D215E"/>
+            <a:srgbClr val="090547"/>
           </a:solidFill>
           <a:ln>
             <a:noFill/>
@@ -3606,7 +3606,7 @@
               <a:rPr lang="en-US" sz="1200" dirty="0">
                 <a:latin typeface="Helvetica" pitchFamily="2" charset="0"/>
               </a:rPr>
-              <a:t>64</a:t>
+              <a:t>128</a:t>
             </a:r>
           </a:p>
           <a:p>
@@ -3615,7 +3615,73 @@
               <a:rPr lang="en-US" sz="1200" dirty="0">
                 <a:latin typeface="Helvetica" pitchFamily="2" charset="0"/>
               </a:rPr>
-              <a:t>0.9161</a:t>
+              <a:t>0.9893</a:t>
+            </a:r>
+          </a:p>
+        </p:txBody>
+      </p:sp>
+      <p:sp>
+        <p:nvSpPr>
+          <p:cNvPr id="10" name="Rectangle 9">
+            <a:extLst>
+              <a:ext uri="{FF2B5EF4-FFF2-40B4-BE49-F238E27FC236}">
+                <a16:creationId xmlns:a16="http://schemas.microsoft.com/office/drawing/2014/main" id="{C68298EC-B463-824F-BCC9-EE32039EFBEA}"/>
+              </a:ext>
+            </a:extLst>
+          </p:cNvPr>
+          <p:cNvSpPr/>
+          <p:nvPr/>
+        </p:nvSpPr>
+        <p:spPr>
+          <a:xfrm>
+            <a:off x="8664127" y="744756"/>
+            <a:ext cx="776614" cy="475989"/>
+          </a:xfrm>
+          <a:prstGeom prst="rect">
+            <a:avLst/>
+          </a:prstGeom>
+          <a:solidFill>
+            <a:srgbClr val="161958"/>
+          </a:solidFill>
+          <a:ln>
+            <a:noFill/>
+          </a:ln>
+        </p:spPr>
+        <p:style>
+          <a:lnRef idx="2">
+            <a:schemeClr val="accent1">
+              <a:shade val="50000"/>
+            </a:schemeClr>
+          </a:lnRef>
+          <a:fillRef idx="1">
+            <a:schemeClr val="accent1"/>
+          </a:fillRef>
+          <a:effectRef idx="0">
+            <a:schemeClr val="accent1"/>
+          </a:effectRef>
+          <a:fontRef idx="minor">
+            <a:schemeClr val="lt1"/>
+          </a:fontRef>
+        </p:style>
+        <p:txBody>
+          <a:bodyPr rtlCol="0" anchor="ctr"/>
+          <a:lstStyle/>
+          <a:p>
+            <a:pPr algn="ctr"/>
+            <a:r>
+              <a:rPr lang="en-US" sz="1200" dirty="0">
+                <a:latin typeface="Helvetica" pitchFamily="2" charset="0"/>
+              </a:rPr>
+              <a:t>256</a:t>
+            </a:r>
+          </a:p>
+          <a:p>
+            <a:pPr algn="ctr"/>
+            <a:r>
+              <a:rPr lang="en-US" sz="1200" dirty="0">
+                <a:latin typeface="Helvetica" pitchFamily="2" charset="0"/>
+              </a:rPr>
+              <a:t>0.9361</a:t>
             </a:r>
           </a:p>
         </p:txBody>
